--- a/NLP_Project_Presentation.pptx
+++ b/NLP_Project_Presentation.pptx
@@ -12,11 +12,11 @@
     <p:sldId id="260" r:id="rId6"/>
     <p:sldId id="261" r:id="rId7"/>
     <p:sldId id="262" r:id="rId8"/>
-    <p:sldId id="263" r:id="rId9"/>
-    <p:sldId id="264" r:id="rId10"/>
-    <p:sldId id="265" r:id="rId11"/>
-    <p:sldId id="266" r:id="rId12"/>
-    <p:sldId id="267" r:id="rId13"/>
+    <p:sldId id="267" r:id="rId9"/>
+    <p:sldId id="263" r:id="rId10"/>
+    <p:sldId id="264" r:id="rId11"/>
+    <p:sldId id="265" r:id="rId12"/>
+    <p:sldId id="266" r:id="rId13"/>
     <p:sldId id="268" r:id="rId14"/>
     <p:sldId id="269" r:id="rId15"/>
   </p:sldIdLst>
@@ -117,11 +117,12 @@
       </a:defRPr>
     </a:lvl9pPr>
   </p:defaultTextStyle>
+  <p:extLst>
+    <p:ext uri="{EFAFB233-063F-42B5-8137-9DF3F51BA10A}">
+      <p15:sldGuideLst xmlns:p15="http://schemas.microsoft.com/office/powerpoint/2012/main"/>
+    </p:ext>
+  </p:extLst>
 </p:presentation>
-</file>
-
-<file path=ppt/revisionInfo.xml><?xml version="1.0" encoding="utf-8"?>
-<p1510:revInfo xmlns:a="http://schemas.openxmlformats.org/drawingml/2006/main" xmlns:r="http://schemas.openxmlformats.org/officeDocument/2006/relationships" xmlns:p1510="http://schemas.microsoft.com/office/powerpoint/2015/10/main"/>
 </file>
 
 <file path=ppt/slideLayouts/slideLayout1.xml><?xml version="1.0" encoding="utf-8"?>
@@ -7761,7 +7762,7 @@
             <a:pPr algn="ctr"/>
             <a:r>
               <a:rPr lang="en-US" dirty="0"/>
-              <a:t>Experiments and Results</a:t>
+              <a:t>Features Used</a:t>
             </a:r>
           </a:p>
         </p:txBody>
@@ -7788,82 +7789,49 @@
           <a:lstStyle/>
           <a:p>
             <a:r>
+              <a:rPr lang="en-US" dirty="0"/>
+              <a:t>Number of punctuations (‘.’, ‘!’, ‘?’)</a:t>
+            </a:r>
+          </a:p>
+          <a:p>
+            <a:r>
+              <a:rPr lang="en-US" dirty="0"/>
+              <a:t>Number of upper case letters</a:t>
+            </a:r>
+          </a:p>
+          <a:p>
+            <a:r>
+              <a:rPr lang="en-US" dirty="0"/>
+              <a:t>Bag of words – unigram</a:t>
+            </a:r>
+          </a:p>
+          <a:p>
+            <a:r>
+              <a:rPr lang="en-US" dirty="0"/>
+              <a:t>Bigrams</a:t>
+            </a:r>
+          </a:p>
+          <a:p>
+            <a:r>
+              <a:rPr lang="en-US" dirty="0"/>
+              <a:t>TF-IDF vectorizer</a:t>
+            </a:r>
+          </a:p>
+          <a:p>
+            <a:r>
+              <a:rPr lang="en-US" dirty="0"/>
+              <a:t>Word2Vec (</a:t>
+            </a:r>
+            <a:r>
               <a:rPr lang="en-US" dirty="0" err="1"/>
-              <a:t>Punc</a:t>
-            </a:r>
-            <a:r>
-              <a:rPr lang="en-US" dirty="0"/>
-              <a:t> and Caps – 88.34%</a:t>
-            </a:r>
-          </a:p>
-          <a:p>
-            <a:r>
-              <a:rPr lang="en-US" dirty="0"/>
-              <a:t>+ </a:t>
-            </a:r>
-            <a:r>
-              <a:rPr lang="en-US" dirty="0" err="1"/>
-              <a:t>ngrams</a:t>
-            </a:r>
-            <a:r>
-              <a:rPr lang="en-US" dirty="0"/>
-              <a:t> (using count vectorizer) – 89.05%</a:t>
-            </a:r>
-          </a:p>
-          <a:p>
-            <a:r>
-              <a:rPr lang="en-US" dirty="0"/>
-              <a:t>+ TF-IDF vectorizer – 89.59%</a:t>
-            </a:r>
-          </a:p>
-          <a:p>
-            <a:r>
-              <a:rPr lang="en-US" dirty="0" err="1"/>
-              <a:t>Punc</a:t>
-            </a:r>
-            <a:r>
-              <a:rPr lang="en-US" dirty="0"/>
-              <a:t>, caps and TF-IDF including </a:t>
-            </a:r>
-            <a:r>
-              <a:rPr lang="en-US" dirty="0" err="1"/>
-              <a:t>ngrams</a:t>
-            </a:r>
-            <a:r>
-              <a:rPr lang="en-US" dirty="0"/>
-              <a:t> – 90.68%</a:t>
-            </a:r>
-          </a:p>
-          <a:p>
-            <a:r>
-              <a:rPr lang="en-US" dirty="0" err="1"/>
-              <a:t>min_df</a:t>
-            </a:r>
-            <a:r>
-              <a:rPr lang="en-US" dirty="0"/>
-              <a:t> : 10 - 88.76%, 20 – 89.88%, 30 – 91.04%</a:t>
-            </a:r>
-          </a:p>
-          <a:p>
-            <a:r>
-              <a:rPr lang="en-US" dirty="0"/>
-              <a:t>+word2vec – 90.55% </a:t>
-            </a:r>
-          </a:p>
-          <a:p>
-            <a:r>
-              <a:rPr lang="en-US" dirty="0" err="1"/>
-              <a:t>min_df</a:t>
-            </a:r>
-            <a:r>
-              <a:rPr lang="en-US" dirty="0"/>
-              <a:t> : 15 – 91.24%, 20 – 91.66%, 25 – 91.13%</a:t>
-            </a:r>
-          </a:p>
-          <a:p>
-            <a:pPr marL="0" indent="0">
-              <a:buNone/>
-            </a:pPr>
+              <a:t>GloVe</a:t>
+            </a:r>
+            <a:r>
+              <a:rPr lang="en-US" dirty="0"/>
+              <a:t> pre-trained vectors &amp; training data)</a:t>
+            </a:r>
+          </a:p>
+          <a:p>
             <a:endParaRPr lang="en-US" dirty="0"/>
           </a:p>
         </p:txBody>
@@ -7871,7 +7839,7 @@
     </p:spTree>
     <p:extLst>
       <p:ext uri="{BB962C8B-B14F-4D97-AF65-F5344CB8AC3E}">
-        <p14:creationId xmlns:p14="http://schemas.microsoft.com/office/powerpoint/2010/main" val="1778176847"/>
+        <p14:creationId xmlns:p14="http://schemas.microsoft.com/office/powerpoint/2010/main" val="137520659"/>
       </p:ext>
     </p:extLst>
   </p:cSld>
@@ -7919,7 +7887,11 @@
           <a:bodyPr/>
           <a:lstStyle/>
           <a:p>
-            <a:endParaRPr lang="en-US"/>
+            <a:pPr algn="ctr"/>
+            <a:r>
+              <a:rPr lang="en-US" dirty="0"/>
+              <a:t>Experiments and Results</a:t>
+            </a:r>
           </a:p>
         </p:txBody>
       </p:sp>
@@ -7944,14 +7916,91 @@
           <a:bodyPr/>
           <a:lstStyle/>
           <a:p>
-            <a:endParaRPr lang="en-US"/>
+            <a:r>
+              <a:rPr lang="en-US" dirty="0" err="1"/>
+              <a:t>Punc</a:t>
+            </a:r>
+            <a:r>
+              <a:rPr lang="en-US" dirty="0"/>
+              <a:t> and Caps – 88.34%</a:t>
+            </a:r>
+          </a:p>
+          <a:p>
+            <a:r>
+              <a:rPr lang="en-US" dirty="0"/>
+              <a:t>+ </a:t>
+            </a:r>
+            <a:r>
+              <a:rPr lang="en-US" dirty="0" err="1"/>
+              <a:t>ngrams</a:t>
+            </a:r>
+            <a:r>
+              <a:rPr lang="en-US" dirty="0"/>
+              <a:t> (using count vectorizer) – 89.05%</a:t>
+            </a:r>
+          </a:p>
+          <a:p>
+            <a:r>
+              <a:rPr lang="en-US" dirty="0"/>
+              <a:t>+ TF-IDF vectorizer – 89.59%</a:t>
+            </a:r>
+          </a:p>
+          <a:p>
+            <a:r>
+              <a:rPr lang="en-US" dirty="0" err="1"/>
+              <a:t>Punc</a:t>
+            </a:r>
+            <a:r>
+              <a:rPr lang="en-US" dirty="0"/>
+              <a:t>, caps and TF-IDF including </a:t>
+            </a:r>
+            <a:r>
+              <a:rPr lang="en-US" dirty="0" err="1"/>
+              <a:t>ngrams</a:t>
+            </a:r>
+            <a:r>
+              <a:rPr lang="en-US" dirty="0"/>
+              <a:t> – 90.68%</a:t>
+            </a:r>
+          </a:p>
+          <a:p>
+            <a:r>
+              <a:rPr lang="en-US" dirty="0" err="1"/>
+              <a:t>min_df</a:t>
+            </a:r>
+            <a:r>
+              <a:rPr lang="en-US" dirty="0"/>
+              <a:t> : 10 - 88.76%, 20 – 89.88%, 30 – 91.04%</a:t>
+            </a:r>
+          </a:p>
+          <a:p>
+            <a:r>
+              <a:rPr lang="en-US" dirty="0"/>
+              <a:t>+word2vec – 90.55% </a:t>
+            </a:r>
+          </a:p>
+          <a:p>
+            <a:r>
+              <a:rPr lang="en-US" dirty="0" err="1"/>
+              <a:t>min_df</a:t>
+            </a:r>
+            <a:r>
+              <a:rPr lang="en-US" dirty="0"/>
+              <a:t> : 15 – 91.24%, 20 – 91.66%, 25 – 91.13%</a:t>
+            </a:r>
+          </a:p>
+          <a:p>
+            <a:pPr marL="0" indent="0">
+              <a:buNone/>
+            </a:pPr>
+            <a:endParaRPr lang="en-US" dirty="0"/>
           </a:p>
         </p:txBody>
       </p:sp>
     </p:spTree>
     <p:extLst>
       <p:ext uri="{BB962C8B-B14F-4D97-AF65-F5344CB8AC3E}">
-        <p14:creationId xmlns:p14="http://schemas.microsoft.com/office/powerpoint/2010/main" val="2857241941"/>
+        <p14:creationId xmlns:p14="http://schemas.microsoft.com/office/powerpoint/2010/main" val="1778176847"/>
       </p:ext>
     </p:extLst>
   </p:cSld>
@@ -7999,7 +8048,11 @@
           <a:bodyPr/>
           <a:lstStyle/>
           <a:p>
-            <a:endParaRPr lang="en-US"/>
+            <a:pPr algn="ctr"/>
+            <a:r>
+              <a:rPr lang="en-US" dirty="0"/>
+              <a:t>Evaluation of Multi-label classifiers</a:t>
+            </a:r>
           </a:p>
         </p:txBody>
       </p:sp>
@@ -8024,14 +8077,29 @@
           <a:bodyPr/>
           <a:lstStyle/>
           <a:p>
-            <a:endParaRPr lang="en-US"/>
+            <a:r>
+              <a:rPr lang="en-US" dirty="0"/>
+              <a:t>Cannot necessarily use same metrics as a binary/multi-class classifier</a:t>
+            </a:r>
+          </a:p>
+          <a:p>
+            <a:r>
+              <a:rPr lang="en-US" dirty="0"/>
+              <a:t>Accuracy metric – subset accuracy – strict metric</a:t>
+            </a:r>
+          </a:p>
+          <a:p>
+            <a:r>
+              <a:rPr lang="en-US" dirty="0"/>
+              <a:t>Hamming Loss, Jaccard Index, Average Precision/Recall for each label</a:t>
+            </a:r>
           </a:p>
         </p:txBody>
       </p:sp>
     </p:spTree>
     <p:extLst>
       <p:ext uri="{BB962C8B-B14F-4D97-AF65-F5344CB8AC3E}">
-        <p14:creationId xmlns:p14="http://schemas.microsoft.com/office/powerpoint/2010/main" val="1403833796"/>
+        <p14:creationId xmlns:p14="http://schemas.microsoft.com/office/powerpoint/2010/main" val="2857241941"/>
       </p:ext>
     </p:extLst>
   </p:cSld>
@@ -8079,7 +8147,11 @@
           <a:bodyPr/>
           <a:lstStyle/>
           <a:p>
-            <a:endParaRPr lang="en-US"/>
+            <a:pPr algn="ctr"/>
+            <a:r>
+              <a:rPr lang="en-US" dirty="0"/>
+              <a:t>Future Work</a:t>
+            </a:r>
           </a:p>
         </p:txBody>
       </p:sp>
@@ -8104,7 +8176,38 @@
           <a:bodyPr/>
           <a:lstStyle/>
           <a:p>
-            <a:endParaRPr lang="en-US"/>
+            <a:r>
+              <a:rPr lang="en-US" dirty="0"/>
+              <a:t>Focus has been on the NLP aspects, can consider more sophisticated ML models.</a:t>
+            </a:r>
+          </a:p>
+          <a:p>
+            <a:r>
+              <a:rPr lang="en-US" dirty="0"/>
+              <a:t>Can investigate use of better word embeddings like </a:t>
+            </a:r>
+            <a:r>
+              <a:rPr lang="en-US" dirty="0" err="1"/>
+              <a:t>FastText</a:t>
+            </a:r>
+            <a:r>
+              <a:rPr lang="en-US" dirty="0"/>
+              <a:t> and also try the larger Twitter </a:t>
+            </a:r>
+            <a:r>
+              <a:rPr lang="en-US" dirty="0" err="1"/>
+              <a:t>GloVe</a:t>
+            </a:r>
+            <a:r>
+              <a:rPr lang="en-US" dirty="0"/>
+              <a:t> corpus.</a:t>
+            </a:r>
+          </a:p>
+          <a:p>
+            <a:r>
+              <a:rPr lang="en-US" dirty="0"/>
+              <a:t>Examine correlation/ranking among the labels.</a:t>
+            </a:r>
           </a:p>
         </p:txBody>
       </p:sp>
@@ -8159,7 +8262,11 @@
           <a:bodyPr/>
           <a:lstStyle/>
           <a:p>
-            <a:endParaRPr lang="en-US"/>
+            <a:pPr algn="ctr"/>
+            <a:r>
+              <a:rPr lang="en-US" dirty="0"/>
+              <a:t>Questions &amp; Feedback</a:t>
+            </a:r>
           </a:p>
         </p:txBody>
       </p:sp>
@@ -8184,7 +8291,10 @@
           <a:bodyPr/>
           <a:lstStyle/>
           <a:p>
-            <a:endParaRPr lang="en-US"/>
+            <a:r>
+              <a:rPr lang="en-US" dirty="0"/>
+              <a:t>We are Team 6, in case you want to vote for us!</a:t>
+            </a:r>
           </a:p>
         </p:txBody>
       </p:sp>
@@ -8921,13 +9031,14 @@
         </p:nvSpPr>
         <p:spPr/>
         <p:txBody>
-          <a:bodyPr/>
+          <a:bodyPr>
+            <a:normAutofit/>
+          </a:bodyPr>
           <a:lstStyle/>
           <a:p>
-            <a:pPr algn="ctr"/>
-            <a:r>
-              <a:rPr lang="en-US" dirty="0"/>
-              <a:t>Methods/Models tried</a:t>
+            <a:r>
+              <a:rPr lang="en-US" sz="3200" dirty="0"/>
+              <a:t>Distinction from other classification problems</a:t>
             </a:r>
           </a:p>
         </p:txBody>
@@ -8955,27 +9066,30 @@
           <a:p>
             <a:r>
               <a:rPr lang="en-US" dirty="0"/>
-              <a:t>Naïve Bayes bag of words approach</a:t>
-            </a:r>
-          </a:p>
-          <a:p>
-            <a:r>
-              <a:rPr lang="en-US" dirty="0"/>
-              <a:t>Linear SVM</a:t>
-            </a:r>
-          </a:p>
-          <a:p>
-            <a:r>
-              <a:rPr lang="en-US" dirty="0"/>
-              <a:t>Logistic Regression</a:t>
-            </a:r>
+              <a:t>Not a binary/multi-class classification!</a:t>
+            </a:r>
+          </a:p>
+          <a:p>
+            <a:r>
+              <a:rPr lang="en-US" dirty="0"/>
+              <a:t>Instead it is a multi-label classification</a:t>
+            </a:r>
+          </a:p>
+          <a:p>
+            <a:r>
+              <a:rPr lang="en-US" dirty="0"/>
+              <a:t>One Vs Rest approach, Adaptive algorithms, Label Powersets</a:t>
+            </a:r>
+          </a:p>
+          <a:p>
+            <a:endParaRPr lang="en-US" dirty="0"/>
           </a:p>
         </p:txBody>
       </p:sp>
     </p:spTree>
     <p:extLst>
       <p:ext uri="{BB962C8B-B14F-4D97-AF65-F5344CB8AC3E}">
-        <p14:creationId xmlns:p14="http://schemas.microsoft.com/office/powerpoint/2010/main" val="2350855483"/>
+        <p14:creationId xmlns:p14="http://schemas.microsoft.com/office/powerpoint/2010/main" val="1403833796"/>
       </p:ext>
     </p:extLst>
   </p:cSld>
@@ -9026,7 +9140,7 @@
             <a:pPr algn="ctr"/>
             <a:r>
               <a:rPr lang="en-US" dirty="0"/>
-              <a:t>Features Used</a:t>
+              <a:t>Methods/Models tried</a:t>
             </a:r>
           </a:p>
         </p:txBody>
@@ -9054,37 +9168,19 @@
           <a:p>
             <a:r>
               <a:rPr lang="en-US" dirty="0"/>
-              <a:t>Number of punctuations (‘.’, ‘!’, ‘?’)</a:t>
-            </a:r>
-          </a:p>
-          <a:p>
-            <a:r>
-              <a:rPr lang="en-US" dirty="0"/>
-              <a:t>Number of upper case letters</a:t>
-            </a:r>
-          </a:p>
-          <a:p>
-            <a:r>
-              <a:rPr lang="en-US" dirty="0"/>
-              <a:t>Bag of words – unigram</a:t>
-            </a:r>
-          </a:p>
-          <a:p>
-            <a:r>
-              <a:rPr lang="en-US" dirty="0"/>
-              <a:t>Bigrams</a:t>
-            </a:r>
-          </a:p>
-          <a:p>
-            <a:r>
-              <a:rPr lang="en-US" dirty="0"/>
-              <a:t>TF-IDF vectorizer</a:t>
-            </a:r>
-          </a:p>
-          <a:p>
-            <a:r>
-              <a:rPr lang="en-US" dirty="0"/>
-              <a:t>Word to vectorizer</a:t>
+              <a:t>Multinomial Naïve Bayes bag of words approach</a:t>
+            </a:r>
+          </a:p>
+          <a:p>
+            <a:r>
+              <a:rPr lang="en-US" dirty="0"/>
+              <a:t>Linear SVM</a:t>
+            </a:r>
+          </a:p>
+          <a:p>
+            <a:r>
+              <a:rPr lang="en-US" dirty="0"/>
+              <a:t>Logistic Regression</a:t>
             </a:r>
           </a:p>
         </p:txBody>
@@ -9092,7 +9188,7 @@
     </p:spTree>
     <p:extLst>
       <p:ext uri="{BB962C8B-B14F-4D97-AF65-F5344CB8AC3E}">
-        <p14:creationId xmlns:p14="http://schemas.microsoft.com/office/powerpoint/2010/main" val="137520659"/>
+        <p14:creationId xmlns:p14="http://schemas.microsoft.com/office/powerpoint/2010/main" val="2350855483"/>
       </p:ext>
     </p:extLst>
   </p:cSld>
